--- a/대글/과제에서 AI 사용을 허용해도 되는 이유.pptx
+++ b/대글/과제에서 AI 사용을 허용해도 되는 이유.pptx
@@ -9,22 +9,31 @@
     <p:sldId id="257" r:id="rId3"/>
     <p:sldId id="258" r:id="rId4"/>
     <p:sldId id="259" r:id="rId5"/>
+    <p:sldId id="260" r:id="rId6"/>
+    <p:sldId id="261" r:id="rId7"/>
+    <p:sldId id="262" r:id="rId8"/>
+    <p:sldId id="263" r:id="rId9"/>
+    <p:sldId id="264" r:id="rId10"/>
   </p:sldIdLst>
   <p:sldSz cx="12192000" cy="6858000"/>
   <p:notesSz cx="6858000" cy="9144000"/>
   <p:embeddedFontLst>
     <p:embeddedFont>
+      <p:font typeface="KoPubWorld돋움체 Medium" panose="00000600000000000000" pitchFamily="2" charset="-127"/>
+      <p:regular r:id="rId11"/>
+    </p:embeddedFont>
+    <p:embeddedFont>
       <p:font typeface="KoPubWorld돋움체 Bold" panose="00000800000000000000" pitchFamily="2" charset="-127"/>
-      <p:bold r:id="rId6"/>
+      <p:bold r:id="rId12"/>
     </p:embeddedFont>
     <p:embeddedFont>
       <p:font typeface="KoPubWorld돋움체 Light" panose="00000300000000000000" pitchFamily="2" charset="-127"/>
-      <p:regular r:id="rId7"/>
+      <p:regular r:id="rId13"/>
     </p:embeddedFont>
     <p:embeddedFont>
       <p:font typeface="맑은 고딕" panose="020B0503020000020004" pitchFamily="50" charset="-127"/>
-      <p:regular r:id="rId8"/>
-      <p:bold r:id="rId9"/>
+      <p:regular r:id="rId14"/>
+      <p:bold r:id="rId15"/>
     </p:embeddedFont>
   </p:embeddedFontLst>
   <p:defaultTextStyle>
@@ -122,6 +131,11 @@
       </a:defRPr>
     </a:lvl9pPr>
   </p:defaultTextStyle>
+  <p:extLst>
+    <p:ext uri="{EFAFB233-063F-42B5-8137-9DF3F51BA10A}">
+      <p15:sldGuideLst xmlns:p15="http://schemas.microsoft.com/office/powerpoint/2012/main"/>
+    </p:ext>
+  </p:extLst>
 </p:presentation>
 </file>
 
@@ -3405,9 +3419,14 @@
         </p:nvSpPr>
         <p:spPr>
           <a:xfrm>
-            <a:off x="905163" y="1041400"/>
-            <a:ext cx="10381673" cy="2387600"/>
+            <a:off x="905163" y="2493818"/>
+            <a:ext cx="10381673" cy="935182"/>
           </a:xfrm>
+          <a:solidFill>
+            <a:srgbClr val="FFFFFF">
+              <a:alpha val="60000"/>
+            </a:srgbClr>
+          </a:solidFill>
         </p:spPr>
         <p:txBody>
           <a:bodyPr>
@@ -3458,24 +3477,22 @@
             <p:ph type="subTitle" idx="1"/>
           </p:nvPr>
         </p:nvSpPr>
-        <p:spPr/>
-        <p:txBody>
-          <a:bodyPr/>
-          <a:lstStyle/>
-          <a:p>
-            <a:endParaRPr lang="en-US" altLang="ko-KR" dirty="0">
-              <a:latin typeface="KoPubWorld돋움체 Light" panose="00000300000000000000" pitchFamily="2" charset="-127"/>
-              <a:ea typeface="KoPubWorld돋움체 Light" panose="00000300000000000000" pitchFamily="2" charset="-127"/>
-              <a:cs typeface="KoPubWorld돋움체 Light" panose="00000300000000000000" pitchFamily="2" charset="-127"/>
-            </a:endParaRPr>
-          </a:p>
-          <a:p>
-            <a:endParaRPr lang="en-US" altLang="ko-KR" dirty="0">
-              <a:latin typeface="KoPubWorld돋움체 Light" panose="00000300000000000000" pitchFamily="2" charset="-127"/>
-              <a:ea typeface="KoPubWorld돋움체 Light" panose="00000300000000000000" pitchFamily="2" charset="-127"/>
-              <a:cs typeface="KoPubWorld돋움체 Light" panose="00000300000000000000" pitchFamily="2" charset="-127"/>
-            </a:endParaRPr>
-          </a:p>
+        <p:spPr>
+          <a:xfrm>
+            <a:off x="5467926" y="4036289"/>
+            <a:ext cx="1256145" cy="480293"/>
+          </a:xfrm>
+          <a:solidFill>
+            <a:srgbClr val="FFFFFF">
+              <a:alpha val="60000"/>
+            </a:srgbClr>
+          </a:solidFill>
+        </p:spPr>
+        <p:txBody>
+          <a:bodyPr>
+            <a:normAutofit/>
+          </a:bodyPr>
+          <a:lstStyle/>
           <a:p>
             <a:r>
               <a:rPr lang="ko-KR" altLang="en-US" dirty="0">
@@ -3872,6 +3889,136 @@
           <a:bodyPr/>
           <a:lstStyle/>
           <a:p>
+            <a:pPr marL="514350" indent="-514350">
+              <a:buAutoNum type="arabicPeriod"/>
+            </a:pPr>
+            <a:r>
+              <a:rPr lang="ko-KR" altLang="en-US" dirty="0" err="1">
+                <a:latin typeface="KoPubWorld돋움체 Light" panose="00000300000000000000" pitchFamily="2" charset="-127"/>
+                <a:ea typeface="KoPubWorld돋움체 Light" panose="00000300000000000000" pitchFamily="2" charset="-127"/>
+                <a:cs typeface="KoPubWorld돋움체 Light" panose="00000300000000000000" pitchFamily="2" charset="-127"/>
+              </a:rPr>
+              <a:t>학습률</a:t>
+            </a:r>
+            <a:r>
+              <a:rPr lang="ko-KR" altLang="en-US" dirty="0">
+                <a:latin typeface="KoPubWorld돋움체 Light" panose="00000300000000000000" pitchFamily="2" charset="-127"/>
+                <a:ea typeface="KoPubWorld돋움체 Light" panose="00000300000000000000" pitchFamily="2" charset="-127"/>
+                <a:cs typeface="KoPubWorld돋움체 Light" panose="00000300000000000000" pitchFamily="2" charset="-127"/>
+              </a:rPr>
+              <a:t> 저하</a:t>
+            </a:r>
+            <a:endParaRPr lang="en-US" altLang="ko-KR" dirty="0">
+              <a:latin typeface="KoPubWorld돋움체 Light" panose="00000300000000000000" pitchFamily="2" charset="-127"/>
+              <a:ea typeface="KoPubWorld돋움체 Light" panose="00000300000000000000" pitchFamily="2" charset="-127"/>
+              <a:cs typeface="KoPubWorld돋움체 Light" panose="00000300000000000000" pitchFamily="2" charset="-127"/>
+            </a:endParaRPr>
+          </a:p>
+          <a:p>
+            <a:pPr marL="457200" lvl="1" indent="0">
+              <a:buNone/>
+            </a:pPr>
+            <a:endParaRPr lang="en-US" altLang="ko-KR" dirty="0">
+              <a:latin typeface="KoPubWorld돋움체 Light" panose="00000300000000000000" pitchFamily="2" charset="-127"/>
+              <a:ea typeface="KoPubWorld돋움체 Light" panose="00000300000000000000" pitchFamily="2" charset="-127"/>
+              <a:cs typeface="KoPubWorld돋움체 Light" panose="00000300000000000000" pitchFamily="2" charset="-127"/>
+            </a:endParaRPr>
+          </a:p>
+          <a:p>
+            <a:pPr marL="457200" lvl="1" indent="0">
+              <a:buNone/>
+            </a:pPr>
+            <a:r>
+              <a:rPr lang="en-US" altLang="ko-KR" dirty="0">
+                <a:latin typeface="KoPubWorld돋움체 Light" panose="00000300000000000000" pitchFamily="2" charset="-127"/>
+                <a:ea typeface="KoPubWorld돋움체 Light" panose="00000300000000000000" pitchFamily="2" charset="-127"/>
+                <a:cs typeface="KoPubWorld돋움체 Light" panose="00000300000000000000" pitchFamily="2" charset="-127"/>
+              </a:rPr>
+              <a:t>- AI</a:t>
+            </a:r>
+            <a:r>
+              <a:rPr lang="ko-KR" altLang="en-US" dirty="0">
+                <a:latin typeface="KoPubWorld돋움체 Light" panose="00000300000000000000" pitchFamily="2" charset="-127"/>
+                <a:ea typeface="KoPubWorld돋움체 Light" panose="00000300000000000000" pitchFamily="2" charset="-127"/>
+                <a:cs typeface="KoPubWorld돋움체 Light" panose="00000300000000000000" pitchFamily="2" charset="-127"/>
+              </a:rPr>
+              <a:t>를 사용해 과제를 하면 학습이 제대로 되지 않는다</a:t>
+            </a:r>
+            <a:r>
+              <a:rPr lang="en-US" altLang="ko-KR" dirty="0">
+                <a:latin typeface="KoPubWorld돋움체 Light" panose="00000300000000000000" pitchFamily="2" charset="-127"/>
+                <a:ea typeface="KoPubWorld돋움체 Light" panose="00000300000000000000" pitchFamily="2" charset="-127"/>
+                <a:cs typeface="KoPubWorld돋움체 Light" panose="00000300000000000000" pitchFamily="2" charset="-127"/>
+              </a:rPr>
+              <a:t>.</a:t>
+            </a:r>
+          </a:p>
+          <a:p>
+            <a:pPr marL="971550" lvl="1" indent="-514350">
+              <a:buAutoNum type="arabicPeriod"/>
+            </a:pPr>
+            <a:endParaRPr lang="en-US" altLang="ko-KR" dirty="0">
+              <a:latin typeface="KoPubWorld돋움체 Light" panose="00000300000000000000" pitchFamily="2" charset="-127"/>
+              <a:ea typeface="KoPubWorld돋움체 Light" panose="00000300000000000000" pitchFamily="2" charset="-127"/>
+              <a:cs typeface="KoPubWorld돋움체 Light" panose="00000300000000000000" pitchFamily="2" charset="-127"/>
+            </a:endParaRPr>
+          </a:p>
+          <a:p>
+            <a:pPr marL="514350" indent="-514350">
+              <a:buAutoNum type="arabicPeriod"/>
+            </a:pPr>
+            <a:r>
+              <a:rPr lang="ko-KR" altLang="en-US" dirty="0">
+                <a:latin typeface="KoPubWorld돋움체 Light" panose="00000300000000000000" pitchFamily="2" charset="-127"/>
+                <a:ea typeface="KoPubWorld돋움체 Light" panose="00000300000000000000" pitchFamily="2" charset="-127"/>
+                <a:cs typeface="KoPubWorld돋움체 Light" panose="00000300000000000000" pitchFamily="2" charset="-127"/>
+              </a:rPr>
+              <a:t>변별력 감소</a:t>
+            </a:r>
+            <a:endParaRPr lang="en-US" altLang="ko-KR" dirty="0">
+              <a:latin typeface="KoPubWorld돋움체 Light" panose="00000300000000000000" pitchFamily="2" charset="-127"/>
+              <a:ea typeface="KoPubWorld돋움체 Light" panose="00000300000000000000" pitchFamily="2" charset="-127"/>
+              <a:cs typeface="KoPubWorld돋움체 Light" panose="00000300000000000000" pitchFamily="2" charset="-127"/>
+            </a:endParaRPr>
+          </a:p>
+          <a:p>
+            <a:pPr marL="971550" lvl="1" indent="-514350">
+              <a:buAutoNum type="arabicPeriod"/>
+            </a:pPr>
+            <a:endParaRPr lang="en-US" altLang="ko-KR" dirty="0">
+              <a:latin typeface="KoPubWorld돋움체 Light" panose="00000300000000000000" pitchFamily="2" charset="-127"/>
+              <a:ea typeface="KoPubWorld돋움체 Light" panose="00000300000000000000" pitchFamily="2" charset="-127"/>
+              <a:cs typeface="KoPubWorld돋움체 Light" panose="00000300000000000000" pitchFamily="2" charset="-127"/>
+            </a:endParaRPr>
+          </a:p>
+          <a:p>
+            <a:pPr marL="457200" lvl="1" indent="0">
+              <a:buNone/>
+            </a:pPr>
+            <a:r>
+              <a:rPr lang="en-US" altLang="ko-KR" dirty="0">
+                <a:latin typeface="KoPubWorld돋움체 Light" panose="00000300000000000000" pitchFamily="2" charset="-127"/>
+                <a:ea typeface="KoPubWorld돋움체 Light" panose="00000300000000000000" pitchFamily="2" charset="-127"/>
+                <a:cs typeface="KoPubWorld돋움체 Light" panose="00000300000000000000" pitchFamily="2" charset="-127"/>
+              </a:rPr>
+              <a:t>- AI</a:t>
+            </a:r>
+            <a:r>
+              <a:rPr lang="ko-KR" altLang="en-US" dirty="0">
+                <a:latin typeface="KoPubWorld돋움체 Light" panose="00000300000000000000" pitchFamily="2" charset="-127"/>
+                <a:ea typeface="KoPubWorld돋움체 Light" panose="00000300000000000000" pitchFamily="2" charset="-127"/>
+                <a:cs typeface="KoPubWorld돋움체 Light" panose="00000300000000000000" pitchFamily="2" charset="-127"/>
+              </a:rPr>
+              <a:t>를 사용해 과제를 하면 학생들 간에 변별이 어렵다</a:t>
+            </a:r>
+            <a:r>
+              <a:rPr lang="en-US" altLang="ko-KR" dirty="0">
+                <a:latin typeface="KoPubWorld돋움체 Light" panose="00000300000000000000" pitchFamily="2" charset="-127"/>
+                <a:ea typeface="KoPubWorld돋움체 Light" panose="00000300000000000000" pitchFamily="2" charset="-127"/>
+                <a:cs typeface="KoPubWorld돋움체 Light" panose="00000300000000000000" pitchFamily="2" charset="-127"/>
+              </a:rPr>
+              <a:t>.</a:t>
+            </a:r>
             <a:endParaRPr lang="ko-KR" altLang="en-US" dirty="0">
               <a:latin typeface="KoPubWorld돋움체 Light" panose="00000300000000000000" pitchFamily="2" charset="-127"/>
               <a:ea typeface="KoPubWorld돋움체 Light" panose="00000300000000000000" pitchFamily="2" charset="-127"/>
@@ -3884,6 +4031,1220 @@
     <p:extLst>
       <p:ext uri="{BB962C8B-B14F-4D97-AF65-F5344CB8AC3E}">
         <p14:creationId xmlns:p14="http://schemas.microsoft.com/office/powerpoint/2010/main" val="3144675591"/>
+      </p:ext>
+    </p:extLst>
+  </p:cSld>
+  <p:clrMapOvr>
+    <a:masterClrMapping/>
+  </p:clrMapOvr>
+</p:sld>
+</file>
+
+<file path=ppt/slides/slide5.xml><?xml version="1.0" encoding="utf-8"?>
+<p:sld xmlns:a="http://schemas.openxmlformats.org/drawingml/2006/main" xmlns:r="http://schemas.openxmlformats.org/officeDocument/2006/relationships" xmlns:p="http://schemas.openxmlformats.org/presentationml/2006/main">
+  <p:cSld>
+    <p:spTree>
+      <p:nvGrpSpPr>
+        <p:cNvPr id="1" name="">
+          <a:extLst>
+            <a:ext uri="{FF2B5EF4-FFF2-40B4-BE49-F238E27FC236}">
+              <a16:creationId xmlns:a16="http://schemas.microsoft.com/office/drawing/2014/main" id="{94931CC0-D546-FFE7-F972-D98517AEF062}"/>
+            </a:ext>
+          </a:extLst>
+        </p:cNvPr>
+        <p:cNvGrpSpPr/>
+        <p:nvPr/>
+      </p:nvGrpSpPr>
+      <p:grpSpPr>
+        <a:xfrm>
+          <a:off x="0" y="0"/>
+          <a:ext cx="0" cy="0"/>
+          <a:chOff x="0" y="0"/>
+          <a:chExt cx="0" cy="0"/>
+        </a:xfrm>
+      </p:grpSpPr>
+      <p:sp>
+        <p:nvSpPr>
+          <p:cNvPr id="2" name="제목 1">
+            <a:extLst>
+              <a:ext uri="{FF2B5EF4-FFF2-40B4-BE49-F238E27FC236}">
+                <a16:creationId xmlns:a16="http://schemas.microsoft.com/office/drawing/2014/main" id="{C9BE570C-C9B6-C5BF-4CB2-CE55CD5BAA77}"/>
+              </a:ext>
+            </a:extLst>
+          </p:cNvPr>
+          <p:cNvSpPr>
+            <a:spLocks noGrp="1"/>
+          </p:cNvSpPr>
+          <p:nvPr>
+            <p:ph type="title"/>
+          </p:nvPr>
+        </p:nvSpPr>
+        <p:spPr/>
+        <p:txBody>
+          <a:bodyPr>
+            <a:normAutofit/>
+          </a:bodyPr>
+          <a:lstStyle/>
+          <a:p>
+            <a:r>
+              <a:rPr lang="ko-KR" altLang="en-US" sz="4000" dirty="0">
+                <a:latin typeface="KoPubWorld돋움체 Bold" panose="00000800000000000000" pitchFamily="2" charset="-127"/>
+                <a:ea typeface="KoPubWorld돋움체 Bold" panose="00000800000000000000" pitchFamily="2" charset="-127"/>
+                <a:cs typeface="KoPubWorld돋움체 Bold" panose="00000800000000000000" pitchFamily="2" charset="-127"/>
+              </a:rPr>
+              <a:t>본론 </a:t>
+            </a:r>
+            <a:r>
+              <a:rPr lang="en-US" altLang="ko-KR" sz="4000" dirty="0">
+                <a:latin typeface="KoPubWorld돋움체 Bold" panose="00000800000000000000" pitchFamily="2" charset="-127"/>
+                <a:ea typeface="KoPubWorld돋움체 Bold" panose="00000800000000000000" pitchFamily="2" charset="-127"/>
+                <a:cs typeface="KoPubWorld돋움체 Bold" panose="00000800000000000000" pitchFamily="2" charset="-127"/>
+              </a:rPr>
+              <a:t>2 – </a:t>
+            </a:r>
+            <a:r>
+              <a:rPr lang="ko-KR" altLang="en-US" sz="4000" dirty="0">
+                <a:latin typeface="KoPubWorld돋움체 Bold" panose="00000800000000000000" pitchFamily="2" charset="-127"/>
+                <a:ea typeface="KoPubWorld돋움체 Bold" panose="00000800000000000000" pitchFamily="2" charset="-127"/>
+                <a:cs typeface="KoPubWorld돋움체 Bold" panose="00000800000000000000" pitchFamily="2" charset="-127"/>
+              </a:rPr>
+              <a:t>과제에서 </a:t>
+            </a:r>
+            <a:r>
+              <a:rPr lang="en-US" altLang="ko-KR" sz="4000" dirty="0">
+                <a:latin typeface="KoPubWorld돋움체 Bold" panose="00000800000000000000" pitchFamily="2" charset="-127"/>
+                <a:ea typeface="KoPubWorld돋움체 Bold" panose="00000800000000000000" pitchFamily="2" charset="-127"/>
+                <a:cs typeface="KoPubWorld돋움체 Bold" panose="00000800000000000000" pitchFamily="2" charset="-127"/>
+              </a:rPr>
+              <a:t>AI</a:t>
+            </a:r>
+            <a:r>
+              <a:rPr lang="ko-KR" altLang="en-US" sz="4000" dirty="0">
+                <a:latin typeface="KoPubWorld돋움체 Bold" panose="00000800000000000000" pitchFamily="2" charset="-127"/>
+                <a:ea typeface="KoPubWorld돋움체 Bold" panose="00000800000000000000" pitchFamily="2" charset="-127"/>
+                <a:cs typeface="KoPubWorld돋움체 Bold" panose="00000800000000000000" pitchFamily="2" charset="-127"/>
+              </a:rPr>
+              <a:t>를 사용해도 되는 이유</a:t>
+            </a:r>
+          </a:p>
+        </p:txBody>
+      </p:sp>
+      <p:sp>
+        <p:nvSpPr>
+          <p:cNvPr id="3" name="내용 개체 틀 2">
+            <a:extLst>
+              <a:ext uri="{FF2B5EF4-FFF2-40B4-BE49-F238E27FC236}">
+                <a16:creationId xmlns:a16="http://schemas.microsoft.com/office/drawing/2014/main" id="{3CE35F8B-6B6C-5155-0499-9C082F07820E}"/>
+              </a:ext>
+            </a:extLst>
+          </p:cNvPr>
+          <p:cNvSpPr>
+            <a:spLocks noGrp="1"/>
+          </p:cNvSpPr>
+          <p:nvPr>
+            <p:ph idx="1"/>
+          </p:nvPr>
+        </p:nvSpPr>
+        <p:spPr>
+          <a:xfrm>
+            <a:off x="838200" y="1825624"/>
+            <a:ext cx="10515600" cy="4833793"/>
+          </a:xfrm>
+        </p:spPr>
+        <p:txBody>
+          <a:bodyPr>
+            <a:normAutofit/>
+          </a:bodyPr>
+          <a:lstStyle/>
+          <a:p>
+            <a:pPr marL="514350" indent="-514350">
+              <a:buAutoNum type="arabicPeriod"/>
+            </a:pPr>
+            <a:r>
+              <a:rPr lang="ko-KR" altLang="en-US" dirty="0" err="1">
+                <a:latin typeface="KoPubWorld돋움체 Light" panose="00000300000000000000" pitchFamily="2" charset="-127"/>
+                <a:ea typeface="KoPubWorld돋움체 Light" panose="00000300000000000000" pitchFamily="2" charset="-127"/>
+                <a:cs typeface="KoPubWorld돋움체 Light" panose="00000300000000000000" pitchFamily="2" charset="-127"/>
+              </a:rPr>
+              <a:t>학습률</a:t>
+            </a:r>
+            <a:r>
+              <a:rPr lang="ko-KR" altLang="en-US" dirty="0">
+                <a:latin typeface="KoPubWorld돋움체 Light" panose="00000300000000000000" pitchFamily="2" charset="-127"/>
+                <a:ea typeface="KoPubWorld돋움체 Light" panose="00000300000000000000" pitchFamily="2" charset="-127"/>
+                <a:cs typeface="KoPubWorld돋움체 Light" panose="00000300000000000000" pitchFamily="2" charset="-127"/>
+              </a:rPr>
+              <a:t> 상승</a:t>
+            </a:r>
+            <a:endParaRPr lang="en-US" altLang="ko-KR" dirty="0">
+              <a:latin typeface="KoPubWorld돋움체 Light" panose="00000300000000000000" pitchFamily="2" charset="-127"/>
+              <a:ea typeface="KoPubWorld돋움체 Light" panose="00000300000000000000" pitchFamily="2" charset="-127"/>
+              <a:cs typeface="KoPubWorld돋움체 Light" panose="00000300000000000000" pitchFamily="2" charset="-127"/>
+            </a:endParaRPr>
+          </a:p>
+          <a:p>
+            <a:pPr marL="457200" lvl="1" indent="0">
+              <a:buNone/>
+            </a:pPr>
+            <a:endParaRPr lang="en-US" altLang="ko-KR" dirty="0">
+              <a:latin typeface="KoPubWorld돋움체 Light" panose="00000300000000000000" pitchFamily="2" charset="-127"/>
+              <a:ea typeface="KoPubWorld돋움체 Light" panose="00000300000000000000" pitchFamily="2" charset="-127"/>
+              <a:cs typeface="KoPubWorld돋움체 Light" panose="00000300000000000000" pitchFamily="2" charset="-127"/>
+            </a:endParaRPr>
+          </a:p>
+          <a:p>
+            <a:pPr lvl="1">
+              <a:buFontTx/>
+              <a:buChar char="-"/>
+            </a:pPr>
+            <a:r>
+              <a:rPr lang="en-US" altLang="ko-KR" dirty="0">
+                <a:latin typeface="KoPubWorld돋움체 Light" panose="00000300000000000000" pitchFamily="2" charset="-127"/>
+                <a:ea typeface="KoPubWorld돋움체 Light" panose="00000300000000000000" pitchFamily="2" charset="-127"/>
+                <a:cs typeface="KoPubWorld돋움체 Light" panose="00000300000000000000" pitchFamily="2" charset="-127"/>
+              </a:rPr>
+              <a:t>AI</a:t>
+            </a:r>
+            <a:r>
+              <a:rPr lang="ko-KR" altLang="en-US" dirty="0">
+                <a:latin typeface="KoPubWorld돋움체 Light" panose="00000300000000000000" pitchFamily="2" charset="-127"/>
+                <a:ea typeface="KoPubWorld돋움체 Light" panose="00000300000000000000" pitchFamily="2" charset="-127"/>
+                <a:cs typeface="KoPubWorld돋움체 Light" panose="00000300000000000000" pitchFamily="2" charset="-127"/>
+              </a:rPr>
+              <a:t>를 사용해 과제를 하면 학습에 도움이 된다</a:t>
+            </a:r>
+            <a:r>
+              <a:rPr lang="en-US" altLang="ko-KR" dirty="0">
+                <a:latin typeface="KoPubWorld돋움체 Light" panose="00000300000000000000" pitchFamily="2" charset="-127"/>
+                <a:ea typeface="KoPubWorld돋움체 Light" panose="00000300000000000000" pitchFamily="2" charset="-127"/>
+                <a:cs typeface="KoPubWorld돋움체 Light" panose="00000300000000000000" pitchFamily="2" charset="-127"/>
+              </a:rPr>
+              <a:t>.</a:t>
+            </a:r>
+          </a:p>
+          <a:p>
+            <a:pPr marL="457200" lvl="1" indent="0">
+              <a:buNone/>
+            </a:pPr>
+            <a:endParaRPr lang="en-US" altLang="ko-KR" dirty="0">
+              <a:latin typeface="KoPubWorld돋움체 Light" panose="00000300000000000000" pitchFamily="2" charset="-127"/>
+              <a:ea typeface="KoPubWorld돋움체 Light" panose="00000300000000000000" pitchFamily="2" charset="-127"/>
+              <a:cs typeface="KoPubWorld돋움체 Light" panose="00000300000000000000" pitchFamily="2" charset="-127"/>
+            </a:endParaRPr>
+          </a:p>
+          <a:p>
+            <a:pPr marL="514350" indent="-514350">
+              <a:buAutoNum type="arabicPeriod"/>
+            </a:pPr>
+            <a:r>
+              <a:rPr lang="ko-KR" altLang="en-US" dirty="0">
+                <a:latin typeface="KoPubWorld돋움체 Light" panose="00000300000000000000" pitchFamily="2" charset="-127"/>
+                <a:ea typeface="KoPubWorld돋움체 Light" panose="00000300000000000000" pitchFamily="2" charset="-127"/>
+                <a:cs typeface="KoPubWorld돋움체 Light" panose="00000300000000000000" pitchFamily="2" charset="-127"/>
+              </a:rPr>
+              <a:t>비판적 사고능력 향상</a:t>
+            </a:r>
+            <a:endParaRPr lang="en-US" altLang="ko-KR" dirty="0">
+              <a:latin typeface="KoPubWorld돋움체 Light" panose="00000300000000000000" pitchFamily="2" charset="-127"/>
+              <a:ea typeface="KoPubWorld돋움체 Light" panose="00000300000000000000" pitchFamily="2" charset="-127"/>
+              <a:cs typeface="KoPubWorld돋움체 Light" panose="00000300000000000000" pitchFamily="2" charset="-127"/>
+            </a:endParaRPr>
+          </a:p>
+          <a:p>
+            <a:pPr marL="971550" lvl="1" indent="-514350">
+              <a:buAutoNum type="arabicPeriod"/>
+            </a:pPr>
+            <a:endParaRPr lang="en-US" altLang="ko-KR" dirty="0">
+              <a:latin typeface="KoPubWorld돋움체 Light" panose="00000300000000000000" pitchFamily="2" charset="-127"/>
+              <a:ea typeface="KoPubWorld돋움체 Light" panose="00000300000000000000" pitchFamily="2" charset="-127"/>
+              <a:cs typeface="KoPubWorld돋움체 Light" panose="00000300000000000000" pitchFamily="2" charset="-127"/>
+            </a:endParaRPr>
+          </a:p>
+          <a:p>
+            <a:pPr lvl="1">
+              <a:buFontTx/>
+              <a:buChar char="-"/>
+            </a:pPr>
+            <a:r>
+              <a:rPr lang="en-US" altLang="ko-KR" dirty="0">
+                <a:latin typeface="KoPubWorld돋움체 Light" panose="00000300000000000000" pitchFamily="2" charset="-127"/>
+                <a:ea typeface="KoPubWorld돋움체 Light" panose="00000300000000000000" pitchFamily="2" charset="-127"/>
+                <a:cs typeface="KoPubWorld돋움체 Light" panose="00000300000000000000" pitchFamily="2" charset="-127"/>
+              </a:rPr>
+              <a:t>AI</a:t>
+            </a:r>
+            <a:r>
+              <a:rPr lang="ko-KR" altLang="en-US" dirty="0">
+                <a:latin typeface="KoPubWorld돋움체 Light" panose="00000300000000000000" pitchFamily="2" charset="-127"/>
+                <a:ea typeface="KoPubWorld돋움체 Light" panose="00000300000000000000" pitchFamily="2" charset="-127"/>
+                <a:cs typeface="KoPubWorld돋움체 Light" panose="00000300000000000000" pitchFamily="2" charset="-127"/>
+              </a:rPr>
+              <a:t>를 사용을 할 수록 비판적 사고 능력이 향상된다</a:t>
+            </a:r>
+            <a:r>
+              <a:rPr lang="en-US" altLang="ko-KR" dirty="0">
+                <a:latin typeface="KoPubWorld돋움체 Light" panose="00000300000000000000" pitchFamily="2" charset="-127"/>
+                <a:ea typeface="KoPubWorld돋움체 Light" panose="00000300000000000000" pitchFamily="2" charset="-127"/>
+                <a:cs typeface="KoPubWorld돋움체 Light" panose="00000300000000000000" pitchFamily="2" charset="-127"/>
+              </a:rPr>
+              <a:t>.</a:t>
+            </a:r>
+          </a:p>
+          <a:p>
+            <a:pPr marL="457200" lvl="1" indent="0">
+              <a:buNone/>
+            </a:pPr>
+            <a:endParaRPr lang="en-US" altLang="ko-KR" dirty="0">
+              <a:latin typeface="KoPubWorld돋움체 Light" panose="00000300000000000000" pitchFamily="2" charset="-127"/>
+              <a:ea typeface="KoPubWorld돋움체 Light" panose="00000300000000000000" pitchFamily="2" charset="-127"/>
+              <a:cs typeface="KoPubWorld돋움체 Light" panose="00000300000000000000" pitchFamily="2" charset="-127"/>
+            </a:endParaRPr>
+          </a:p>
+          <a:p>
+            <a:pPr marL="514350" indent="-514350">
+              <a:buAutoNum type="arabicPeriod"/>
+            </a:pPr>
+            <a:r>
+              <a:rPr lang="ko-KR" altLang="en-US" dirty="0">
+                <a:latin typeface="KoPubWorld돋움체 Light" panose="00000300000000000000" pitchFamily="2" charset="-127"/>
+                <a:ea typeface="KoPubWorld돋움체 Light" panose="00000300000000000000" pitchFamily="2" charset="-127"/>
+                <a:cs typeface="KoPubWorld돋움체 Light" panose="00000300000000000000" pitchFamily="2" charset="-127"/>
+              </a:rPr>
+              <a:t>미래 직무 역량 강화</a:t>
+            </a:r>
+            <a:endParaRPr lang="en-US" altLang="ko-KR" dirty="0">
+              <a:latin typeface="KoPubWorld돋움체 Light" panose="00000300000000000000" pitchFamily="2" charset="-127"/>
+              <a:ea typeface="KoPubWorld돋움체 Light" panose="00000300000000000000" pitchFamily="2" charset="-127"/>
+              <a:cs typeface="KoPubWorld돋움체 Light" panose="00000300000000000000" pitchFamily="2" charset="-127"/>
+            </a:endParaRPr>
+          </a:p>
+          <a:p>
+            <a:pPr lvl="1">
+              <a:buFontTx/>
+              <a:buChar char="-"/>
+            </a:pPr>
+            <a:endParaRPr lang="en-US" altLang="ko-KR" dirty="0">
+              <a:latin typeface="KoPubWorld돋움체 Light" panose="00000300000000000000" pitchFamily="2" charset="-127"/>
+              <a:ea typeface="KoPubWorld돋움체 Light" panose="00000300000000000000" pitchFamily="2" charset="-127"/>
+              <a:cs typeface="KoPubWorld돋움체 Light" panose="00000300000000000000" pitchFamily="2" charset="-127"/>
+            </a:endParaRPr>
+          </a:p>
+          <a:p>
+            <a:pPr lvl="1">
+              <a:buFontTx/>
+              <a:buChar char="-"/>
+            </a:pPr>
+            <a:r>
+              <a:rPr lang="en-US" altLang="ko-KR" dirty="0">
+                <a:latin typeface="KoPubWorld돋움체 Light" panose="00000300000000000000" pitchFamily="2" charset="-127"/>
+                <a:ea typeface="KoPubWorld돋움체 Light" panose="00000300000000000000" pitchFamily="2" charset="-127"/>
+                <a:cs typeface="KoPubWorld돋움체 Light" panose="00000300000000000000" pitchFamily="2" charset="-127"/>
+              </a:rPr>
+              <a:t>AI</a:t>
+            </a:r>
+            <a:r>
+              <a:rPr lang="ko-KR" altLang="en-US" dirty="0">
+                <a:latin typeface="KoPubWorld돋움체 Light" panose="00000300000000000000" pitchFamily="2" charset="-127"/>
+                <a:ea typeface="KoPubWorld돋움체 Light" panose="00000300000000000000" pitchFamily="2" charset="-127"/>
+                <a:cs typeface="KoPubWorld돋움체 Light" panose="00000300000000000000" pitchFamily="2" charset="-127"/>
+              </a:rPr>
+              <a:t>가 필수 도구가 된 업무 환경에 대비하기 위해</a:t>
+            </a:r>
+            <a:r>
+              <a:rPr lang="en-US" altLang="ko-KR" dirty="0">
+                <a:latin typeface="KoPubWorld돋움체 Light" panose="00000300000000000000" pitchFamily="2" charset="-127"/>
+                <a:ea typeface="KoPubWorld돋움체 Light" panose="00000300000000000000" pitchFamily="2" charset="-127"/>
+                <a:cs typeface="KoPubWorld돋움체 Light" panose="00000300000000000000" pitchFamily="2" charset="-127"/>
+              </a:rPr>
+              <a:t>, AI </a:t>
+            </a:r>
+            <a:r>
+              <a:rPr lang="ko-KR" altLang="en-US" dirty="0">
+                <a:latin typeface="KoPubWorld돋움체 Light" panose="00000300000000000000" pitchFamily="2" charset="-127"/>
+                <a:ea typeface="KoPubWorld돋움체 Light" panose="00000300000000000000" pitchFamily="2" charset="-127"/>
+                <a:cs typeface="KoPubWorld돋움체 Light" panose="00000300000000000000" pitchFamily="2" charset="-127"/>
+              </a:rPr>
+              <a:t>활용 경험을 쌓아야 한다</a:t>
+            </a:r>
+            <a:r>
+              <a:rPr lang="en-US" altLang="ko-KR" dirty="0">
+                <a:latin typeface="KoPubWorld돋움체 Light" panose="00000300000000000000" pitchFamily="2" charset="-127"/>
+                <a:ea typeface="KoPubWorld돋움체 Light" panose="00000300000000000000" pitchFamily="2" charset="-127"/>
+                <a:cs typeface="KoPubWorld돋움체 Light" panose="00000300000000000000" pitchFamily="2" charset="-127"/>
+              </a:rPr>
+              <a:t>.</a:t>
+            </a:r>
+          </a:p>
+          <a:p>
+            <a:pPr lvl="1">
+              <a:buFontTx/>
+              <a:buChar char="-"/>
+            </a:pPr>
+            <a:endParaRPr lang="en-US" altLang="ko-KR" dirty="0">
+              <a:latin typeface="KoPubWorld돋움체 Light" panose="00000300000000000000" pitchFamily="2" charset="-127"/>
+              <a:ea typeface="KoPubWorld돋움체 Light" panose="00000300000000000000" pitchFamily="2" charset="-127"/>
+              <a:cs typeface="KoPubWorld돋움체 Light" panose="00000300000000000000" pitchFamily="2" charset="-127"/>
+            </a:endParaRPr>
+          </a:p>
+        </p:txBody>
+      </p:sp>
+    </p:spTree>
+    <p:extLst>
+      <p:ext uri="{BB962C8B-B14F-4D97-AF65-F5344CB8AC3E}">
+        <p14:creationId xmlns:p14="http://schemas.microsoft.com/office/powerpoint/2010/main" val="4212585680"/>
+      </p:ext>
+    </p:extLst>
+  </p:cSld>
+  <p:clrMapOvr>
+    <a:masterClrMapping/>
+  </p:clrMapOvr>
+</p:sld>
+</file>
+
+<file path=ppt/slides/slide6.xml><?xml version="1.0" encoding="utf-8"?>
+<p:sld xmlns:a="http://schemas.openxmlformats.org/drawingml/2006/main" xmlns:r="http://schemas.openxmlformats.org/officeDocument/2006/relationships" xmlns:p="http://schemas.openxmlformats.org/presentationml/2006/main">
+  <p:cSld>
+    <p:spTree>
+      <p:nvGrpSpPr>
+        <p:cNvPr id="1" name="">
+          <a:extLst>
+            <a:ext uri="{FF2B5EF4-FFF2-40B4-BE49-F238E27FC236}">
+              <a16:creationId xmlns:a16="http://schemas.microsoft.com/office/drawing/2014/main" id="{CEF78C24-5DD8-179D-E743-B0B680AA2E46}"/>
+            </a:ext>
+          </a:extLst>
+        </p:cNvPr>
+        <p:cNvGrpSpPr/>
+        <p:nvPr/>
+      </p:nvGrpSpPr>
+      <p:grpSpPr>
+        <a:xfrm>
+          <a:off x="0" y="0"/>
+          <a:ext cx="0" cy="0"/>
+          <a:chOff x="0" y="0"/>
+          <a:chExt cx="0" cy="0"/>
+        </a:xfrm>
+      </p:grpSpPr>
+      <p:sp>
+        <p:nvSpPr>
+          <p:cNvPr id="2" name="제목 1">
+            <a:extLst>
+              <a:ext uri="{FF2B5EF4-FFF2-40B4-BE49-F238E27FC236}">
+                <a16:creationId xmlns:a16="http://schemas.microsoft.com/office/drawing/2014/main" id="{EE5511AF-ACE2-F061-87E9-B0C6057C0409}"/>
+              </a:ext>
+            </a:extLst>
+          </p:cNvPr>
+          <p:cNvSpPr>
+            <a:spLocks noGrp="1"/>
+          </p:cNvSpPr>
+          <p:nvPr>
+            <p:ph type="title"/>
+          </p:nvPr>
+        </p:nvSpPr>
+        <p:spPr/>
+        <p:txBody>
+          <a:bodyPr/>
+          <a:lstStyle/>
+          <a:p>
+            <a:r>
+              <a:rPr lang="ko-KR" altLang="en-US" dirty="0">
+                <a:latin typeface="KoPubWorld돋움체 Bold" panose="00000800000000000000" pitchFamily="2" charset="-127"/>
+                <a:ea typeface="KoPubWorld돋움체 Bold" panose="00000800000000000000" pitchFamily="2" charset="-127"/>
+                <a:cs typeface="KoPubWorld돋움체 Bold" panose="00000800000000000000" pitchFamily="2" charset="-127"/>
+              </a:rPr>
+              <a:t>결론</a:t>
+            </a:r>
+          </a:p>
+        </p:txBody>
+      </p:sp>
+      <p:sp>
+        <p:nvSpPr>
+          <p:cNvPr id="3" name="내용 개체 틀 2">
+            <a:extLst>
+              <a:ext uri="{FF2B5EF4-FFF2-40B4-BE49-F238E27FC236}">
+                <a16:creationId xmlns:a16="http://schemas.microsoft.com/office/drawing/2014/main" id="{8CD16D7A-3BE0-3CE8-1E33-8E9865D3DFD7}"/>
+              </a:ext>
+            </a:extLst>
+          </p:cNvPr>
+          <p:cNvSpPr>
+            <a:spLocks noGrp="1"/>
+          </p:cNvSpPr>
+          <p:nvPr>
+            <p:ph idx="1"/>
+          </p:nvPr>
+        </p:nvSpPr>
+        <p:spPr/>
+        <p:txBody>
+          <a:bodyPr/>
+          <a:lstStyle/>
+          <a:p>
+            <a:r>
+              <a:rPr lang="en-US" altLang="ko-KR" dirty="0">
+                <a:latin typeface="KoPubWorld돋움체 Light" panose="00000300000000000000" pitchFamily="2" charset="-127"/>
+                <a:ea typeface="KoPubWorld돋움체 Light" panose="00000300000000000000" pitchFamily="2" charset="-127"/>
+                <a:cs typeface="KoPubWorld돋움체 Light" panose="00000300000000000000" pitchFamily="2" charset="-127"/>
+              </a:rPr>
+              <a:t>AI</a:t>
+            </a:r>
+            <a:r>
+              <a:rPr lang="ko-KR" altLang="en-US" dirty="0">
+                <a:latin typeface="KoPubWorld돋움체 Light" panose="00000300000000000000" pitchFamily="2" charset="-127"/>
+                <a:ea typeface="KoPubWorld돋움체 Light" panose="00000300000000000000" pitchFamily="2" charset="-127"/>
+                <a:cs typeface="KoPubWorld돋움체 Light" panose="00000300000000000000" pitchFamily="2" charset="-127"/>
+              </a:rPr>
+              <a:t>를 </a:t>
+            </a:r>
+            <a:r>
+              <a:rPr lang="en-US" altLang="ko-KR" dirty="0">
+                <a:latin typeface="KoPubWorld돋움체 Light" panose="00000300000000000000" pitchFamily="2" charset="-127"/>
+                <a:ea typeface="KoPubWorld돋움체 Light" panose="00000300000000000000" pitchFamily="2" charset="-127"/>
+                <a:cs typeface="KoPubWorld돋움체 Light" panose="00000300000000000000" pitchFamily="2" charset="-127"/>
+              </a:rPr>
+              <a:t>‘</a:t>
+            </a:r>
+            <a:r>
+              <a:rPr lang="ko-KR" altLang="en-US" dirty="0">
+                <a:latin typeface="KoPubWorld돋움체 Light" panose="00000300000000000000" pitchFamily="2" charset="-127"/>
+                <a:ea typeface="KoPubWorld돋움체 Light" panose="00000300000000000000" pitchFamily="2" charset="-127"/>
+                <a:cs typeface="KoPubWorld돋움체 Light" panose="00000300000000000000" pitchFamily="2" charset="-127"/>
+              </a:rPr>
+              <a:t>잘</a:t>
+            </a:r>
+            <a:r>
+              <a:rPr lang="en-US" altLang="ko-KR" dirty="0">
+                <a:latin typeface="KoPubWorld돋움체 Light" panose="00000300000000000000" pitchFamily="2" charset="-127"/>
+                <a:ea typeface="KoPubWorld돋움체 Light" panose="00000300000000000000" pitchFamily="2" charset="-127"/>
+                <a:cs typeface="KoPubWorld돋움체 Light" panose="00000300000000000000" pitchFamily="2" charset="-127"/>
+              </a:rPr>
+              <a:t>’ </a:t>
+            </a:r>
+            <a:r>
+              <a:rPr lang="ko-KR" altLang="en-US" dirty="0">
+                <a:latin typeface="KoPubWorld돋움체 Light" panose="00000300000000000000" pitchFamily="2" charset="-127"/>
+                <a:ea typeface="KoPubWorld돋움체 Light" panose="00000300000000000000" pitchFamily="2" charset="-127"/>
+                <a:cs typeface="KoPubWorld돋움체 Light" panose="00000300000000000000" pitchFamily="2" charset="-127"/>
+              </a:rPr>
+              <a:t>사용하면 학습에 더 도움이 됨</a:t>
+            </a:r>
+            <a:endParaRPr lang="en-US" altLang="ko-KR" dirty="0">
+              <a:latin typeface="KoPubWorld돋움체 Light" panose="00000300000000000000" pitchFamily="2" charset="-127"/>
+              <a:ea typeface="KoPubWorld돋움체 Light" panose="00000300000000000000" pitchFamily="2" charset="-127"/>
+              <a:cs typeface="KoPubWorld돋움체 Light" panose="00000300000000000000" pitchFamily="2" charset="-127"/>
+            </a:endParaRPr>
+          </a:p>
+          <a:p>
+            <a:endParaRPr lang="en-US" altLang="ko-KR" dirty="0">
+              <a:latin typeface="KoPubWorld돋움체 Light" panose="00000300000000000000" pitchFamily="2" charset="-127"/>
+              <a:ea typeface="KoPubWorld돋움체 Light" panose="00000300000000000000" pitchFamily="2" charset="-127"/>
+              <a:cs typeface="KoPubWorld돋움체 Light" panose="00000300000000000000" pitchFamily="2" charset="-127"/>
+            </a:endParaRPr>
+          </a:p>
+          <a:p>
+            <a:r>
+              <a:rPr lang="ko-KR" altLang="en-US" dirty="0">
+                <a:latin typeface="KoPubWorld돋움체 Light" panose="00000300000000000000" pitchFamily="2" charset="-127"/>
+                <a:ea typeface="KoPubWorld돋움체 Light" panose="00000300000000000000" pitchFamily="2" charset="-127"/>
+                <a:cs typeface="KoPubWorld돋움체 Light" panose="00000300000000000000" pitchFamily="2" charset="-127"/>
+              </a:rPr>
+              <a:t>과제에서 </a:t>
+            </a:r>
+            <a:r>
+              <a:rPr lang="en-US" altLang="ko-KR" dirty="0">
+                <a:latin typeface="KoPubWorld돋움체 Light" panose="00000300000000000000" pitchFamily="2" charset="-127"/>
+                <a:ea typeface="KoPubWorld돋움체 Light" panose="00000300000000000000" pitchFamily="2" charset="-127"/>
+                <a:cs typeface="KoPubWorld돋움체 Light" panose="00000300000000000000" pitchFamily="2" charset="-127"/>
+              </a:rPr>
+              <a:t>AI</a:t>
+            </a:r>
+            <a:r>
+              <a:rPr lang="ko-KR" altLang="en-US" dirty="0">
+                <a:latin typeface="KoPubWorld돋움체 Light" panose="00000300000000000000" pitchFamily="2" charset="-127"/>
+                <a:ea typeface="KoPubWorld돋움체 Light" panose="00000300000000000000" pitchFamily="2" charset="-127"/>
+                <a:cs typeface="KoPubWorld돋움체 Light" panose="00000300000000000000" pitchFamily="2" charset="-127"/>
+              </a:rPr>
+              <a:t> 사용을 허용해도 됨</a:t>
+            </a:r>
+            <a:endParaRPr lang="en-US" altLang="ko-KR" dirty="0">
+              <a:latin typeface="KoPubWorld돋움체 Light" panose="00000300000000000000" pitchFamily="2" charset="-127"/>
+              <a:ea typeface="KoPubWorld돋움체 Light" panose="00000300000000000000" pitchFamily="2" charset="-127"/>
+              <a:cs typeface="KoPubWorld돋움체 Light" panose="00000300000000000000" pitchFamily="2" charset="-127"/>
+            </a:endParaRPr>
+          </a:p>
+          <a:p>
+            <a:endParaRPr lang="ko-KR" altLang="en-US" dirty="0">
+              <a:latin typeface="KoPubWorld돋움체 Light" panose="00000300000000000000" pitchFamily="2" charset="-127"/>
+              <a:ea typeface="KoPubWorld돋움체 Light" panose="00000300000000000000" pitchFamily="2" charset="-127"/>
+              <a:cs typeface="KoPubWorld돋움체 Light" panose="00000300000000000000" pitchFamily="2" charset="-127"/>
+            </a:endParaRPr>
+          </a:p>
+        </p:txBody>
+      </p:sp>
+    </p:spTree>
+    <p:extLst>
+      <p:ext uri="{BB962C8B-B14F-4D97-AF65-F5344CB8AC3E}">
+        <p14:creationId xmlns:p14="http://schemas.microsoft.com/office/powerpoint/2010/main" val="3902573304"/>
+      </p:ext>
+    </p:extLst>
+  </p:cSld>
+  <p:clrMapOvr>
+    <a:masterClrMapping/>
+  </p:clrMapOvr>
+</p:sld>
+</file>
+
+<file path=ppt/slides/slide7.xml><?xml version="1.0" encoding="utf-8"?>
+<p:sld xmlns:a="http://schemas.openxmlformats.org/drawingml/2006/main" xmlns:r="http://schemas.openxmlformats.org/officeDocument/2006/relationships" xmlns:p="http://schemas.openxmlformats.org/presentationml/2006/main">
+  <p:cSld>
+    <p:spTree>
+      <p:nvGrpSpPr>
+        <p:cNvPr id="1" name="">
+          <a:extLst>
+            <a:ext uri="{FF2B5EF4-FFF2-40B4-BE49-F238E27FC236}">
+              <a16:creationId xmlns:a16="http://schemas.microsoft.com/office/drawing/2014/main" id="{FA6E972C-2777-2E12-16E2-F5EA68A010B3}"/>
+            </a:ext>
+          </a:extLst>
+        </p:cNvPr>
+        <p:cNvGrpSpPr/>
+        <p:nvPr/>
+      </p:nvGrpSpPr>
+      <p:grpSpPr>
+        <a:xfrm>
+          <a:off x="0" y="0"/>
+          <a:ext cx="0" cy="0"/>
+          <a:chOff x="0" y="0"/>
+          <a:chExt cx="0" cy="0"/>
+        </a:xfrm>
+      </p:grpSpPr>
+      <p:sp>
+        <p:nvSpPr>
+          <p:cNvPr id="2" name="제목 1">
+            <a:extLst>
+              <a:ext uri="{FF2B5EF4-FFF2-40B4-BE49-F238E27FC236}">
+                <a16:creationId xmlns:a16="http://schemas.microsoft.com/office/drawing/2014/main" id="{103E5E8C-3E9F-AB43-7CA0-E8EC2A06F090}"/>
+              </a:ext>
+            </a:extLst>
+          </p:cNvPr>
+          <p:cNvSpPr>
+            <a:spLocks noGrp="1"/>
+          </p:cNvSpPr>
+          <p:nvPr>
+            <p:ph type="title"/>
+          </p:nvPr>
+        </p:nvSpPr>
+        <p:spPr/>
+        <p:txBody>
+          <a:bodyPr/>
+          <a:lstStyle/>
+          <a:p>
+            <a:r>
+              <a:rPr lang="ko-KR" altLang="en-US" dirty="0">
+                <a:latin typeface="KoPubWorld돋움체 Bold" panose="00000800000000000000" pitchFamily="2" charset="-127"/>
+                <a:ea typeface="KoPubWorld돋움체 Bold" panose="00000800000000000000" pitchFamily="2" charset="-127"/>
+                <a:cs typeface="KoPubWorld돋움체 Bold" panose="00000800000000000000" pitchFamily="2" charset="-127"/>
+              </a:rPr>
+              <a:t>참고자료</a:t>
+            </a:r>
+          </a:p>
+        </p:txBody>
+      </p:sp>
+      <p:sp>
+        <p:nvSpPr>
+          <p:cNvPr id="3" name="내용 개체 틀 2">
+            <a:extLst>
+              <a:ext uri="{FF2B5EF4-FFF2-40B4-BE49-F238E27FC236}">
+                <a16:creationId xmlns:a16="http://schemas.microsoft.com/office/drawing/2014/main" id="{4B3FE7EB-F900-3F99-B5BF-DB36CA9209BB}"/>
+              </a:ext>
+            </a:extLst>
+          </p:cNvPr>
+          <p:cNvSpPr>
+            <a:spLocks noGrp="1"/>
+          </p:cNvSpPr>
+          <p:nvPr>
+            <p:ph idx="1"/>
+          </p:nvPr>
+        </p:nvSpPr>
+        <p:spPr/>
+        <p:txBody>
+          <a:bodyPr/>
+          <a:lstStyle/>
+          <a:p>
+            <a:r>
+              <a:rPr lang="ko-KR" altLang="ko-KR" dirty="0" err="1">
+                <a:latin typeface="KoPubWorld돋움체 Medium" panose="00000600000000000000" pitchFamily="2" charset="-127"/>
+                <a:ea typeface="KoPubWorld돋움체 Medium" panose="00000600000000000000" pitchFamily="2" charset="-127"/>
+                <a:cs typeface="KoPubWorld돋움체 Medium" panose="00000600000000000000" pitchFamily="2" charset="-127"/>
+              </a:rPr>
+              <a:t>오선경</a:t>
+            </a:r>
+            <a:r>
+              <a:rPr lang="en-US" altLang="ko-KR" dirty="0">
+                <a:latin typeface="KoPubWorld돋움체 Medium" panose="00000600000000000000" pitchFamily="2" charset="-127"/>
+                <a:ea typeface="KoPubWorld돋움체 Medium" panose="00000600000000000000" pitchFamily="2" charset="-127"/>
+                <a:cs typeface="KoPubWorld돋움체 Medium" panose="00000600000000000000" pitchFamily="2" charset="-127"/>
+              </a:rPr>
+              <a:t>, &lt;</a:t>
+            </a:r>
+            <a:r>
+              <a:rPr lang="ko-KR" altLang="ko-KR" dirty="0">
+                <a:latin typeface="KoPubWorld돋움체 Medium" panose="00000600000000000000" pitchFamily="2" charset="-127"/>
+                <a:ea typeface="KoPubWorld돋움체 Medium" panose="00000600000000000000" pitchFamily="2" charset="-127"/>
+                <a:cs typeface="KoPubWorld돋움체 Medium" panose="00000600000000000000" pitchFamily="2" charset="-127"/>
+              </a:rPr>
+              <a:t>대학 교양 글쓰기에서의 </a:t>
+            </a:r>
+            <a:r>
+              <a:rPr lang="ko-KR" altLang="ko-KR" dirty="0" err="1">
+                <a:latin typeface="KoPubWorld돋움체 Medium" panose="00000600000000000000" pitchFamily="2" charset="-127"/>
+                <a:ea typeface="KoPubWorld돋움체 Medium" panose="00000600000000000000" pitchFamily="2" charset="-127"/>
+                <a:cs typeface="KoPubWorld돋움체 Medium" panose="00000600000000000000" pitchFamily="2" charset="-127"/>
+              </a:rPr>
+              <a:t>챗</a:t>
+            </a:r>
+            <a:r>
+              <a:rPr lang="en-US" altLang="ko-KR" dirty="0">
+                <a:latin typeface="KoPubWorld돋움체 Medium" panose="00000600000000000000" pitchFamily="2" charset="-127"/>
+                <a:ea typeface="KoPubWorld돋움체 Medium" panose="00000600000000000000" pitchFamily="2" charset="-127"/>
+                <a:cs typeface="KoPubWorld돋움체 Medium" panose="00000600000000000000" pitchFamily="2" charset="-127"/>
+              </a:rPr>
+              <a:t>GPT </a:t>
+            </a:r>
+            <a:r>
+              <a:rPr lang="ko-KR" altLang="ko-KR" dirty="0">
+                <a:latin typeface="KoPubWorld돋움체 Medium" panose="00000600000000000000" pitchFamily="2" charset="-127"/>
+                <a:ea typeface="KoPubWorld돋움체 Medium" panose="00000600000000000000" pitchFamily="2" charset="-127"/>
+                <a:cs typeface="KoPubWorld돋움체 Medium" panose="00000600000000000000" pitchFamily="2" charset="-127"/>
+              </a:rPr>
+              <a:t>활용 사례와 학습자 인식 연구</a:t>
+            </a:r>
+            <a:r>
+              <a:rPr lang="en-US" altLang="ko-KR" dirty="0">
+                <a:latin typeface="KoPubWorld돋움체 Medium" panose="00000600000000000000" pitchFamily="2" charset="-127"/>
+                <a:ea typeface="KoPubWorld돋움체 Medium" panose="00000600000000000000" pitchFamily="2" charset="-127"/>
+                <a:cs typeface="KoPubWorld돋움체 Medium" panose="00000600000000000000" pitchFamily="2" charset="-127"/>
+              </a:rPr>
+              <a:t>&gt;,  </a:t>
+            </a:r>
+            <a:r>
+              <a:rPr lang="ko-KR" altLang="ko-KR" dirty="0">
+                <a:latin typeface="KoPubWorld돋움체 Medium" panose="00000600000000000000" pitchFamily="2" charset="-127"/>
+                <a:ea typeface="KoPubWorld돋움체 Medium" panose="00000600000000000000" pitchFamily="2" charset="-127"/>
+                <a:cs typeface="KoPubWorld돋움체 Medium" panose="00000600000000000000" pitchFamily="2" charset="-127"/>
+              </a:rPr>
+              <a:t>《교양교육연구》 제</a:t>
+            </a:r>
+            <a:r>
+              <a:rPr lang="en-US" altLang="ko-KR" dirty="0">
+                <a:latin typeface="KoPubWorld돋움체 Medium" panose="00000600000000000000" pitchFamily="2" charset="-127"/>
+                <a:ea typeface="KoPubWorld돋움체 Medium" panose="00000600000000000000" pitchFamily="2" charset="-127"/>
+                <a:cs typeface="KoPubWorld돋움체 Medium" panose="00000600000000000000" pitchFamily="2" charset="-127"/>
+              </a:rPr>
+              <a:t>17</a:t>
+            </a:r>
+            <a:r>
+              <a:rPr lang="ko-KR" altLang="ko-KR" dirty="0">
+                <a:latin typeface="KoPubWorld돋움체 Medium" panose="00000600000000000000" pitchFamily="2" charset="-127"/>
+                <a:ea typeface="KoPubWorld돋움체 Medium" panose="00000600000000000000" pitchFamily="2" charset="-127"/>
+                <a:cs typeface="KoPubWorld돋움체 Medium" panose="00000600000000000000" pitchFamily="2" charset="-127"/>
+              </a:rPr>
+              <a:t>권 제</a:t>
+            </a:r>
+            <a:r>
+              <a:rPr lang="en-US" altLang="ko-KR" dirty="0">
+                <a:latin typeface="KoPubWorld돋움체 Medium" panose="00000600000000000000" pitchFamily="2" charset="-127"/>
+                <a:ea typeface="KoPubWorld돋움체 Medium" panose="00000600000000000000" pitchFamily="2" charset="-127"/>
+                <a:cs typeface="KoPubWorld돋움체 Medium" panose="00000600000000000000" pitchFamily="2" charset="-127"/>
+              </a:rPr>
+              <a:t>3</a:t>
+            </a:r>
+            <a:r>
+              <a:rPr lang="ko-KR" altLang="ko-KR" dirty="0">
+                <a:latin typeface="KoPubWorld돋움체 Medium" panose="00000600000000000000" pitchFamily="2" charset="-127"/>
+                <a:ea typeface="KoPubWorld돋움체 Medium" panose="00000600000000000000" pitchFamily="2" charset="-127"/>
+                <a:cs typeface="KoPubWorld돋움체 Medium" panose="00000600000000000000" pitchFamily="2" charset="-127"/>
+              </a:rPr>
+              <a:t>호</a:t>
+            </a:r>
+            <a:r>
+              <a:rPr lang="en-US" altLang="ko-KR" dirty="0">
+                <a:latin typeface="KoPubWorld돋움체 Medium" panose="00000600000000000000" pitchFamily="2" charset="-127"/>
+                <a:ea typeface="KoPubWorld돋움체 Medium" panose="00000600000000000000" pitchFamily="2" charset="-127"/>
+                <a:cs typeface="KoPubWorld돋움체 Medium" panose="00000600000000000000" pitchFamily="2" charset="-127"/>
+              </a:rPr>
+              <a:t>, 2023, 11-23</a:t>
+            </a:r>
+            <a:r>
+              <a:rPr lang="ko-KR" altLang="ko-KR" dirty="0">
+                <a:latin typeface="KoPubWorld돋움체 Medium" panose="00000600000000000000" pitchFamily="2" charset="-127"/>
+                <a:ea typeface="KoPubWorld돋움체 Medium" panose="00000600000000000000" pitchFamily="2" charset="-127"/>
+                <a:cs typeface="KoPubWorld돋움체 Medium" panose="00000600000000000000" pitchFamily="2" charset="-127"/>
+              </a:rPr>
+              <a:t>면</a:t>
+            </a:r>
+            <a:endParaRPr lang="en-US" altLang="ko-KR" dirty="0">
+              <a:latin typeface="KoPubWorld돋움체 Medium" panose="00000600000000000000" pitchFamily="2" charset="-127"/>
+              <a:ea typeface="KoPubWorld돋움체 Medium" panose="00000600000000000000" pitchFamily="2" charset="-127"/>
+              <a:cs typeface="KoPubWorld돋움체 Medium" panose="00000600000000000000" pitchFamily="2" charset="-127"/>
+            </a:endParaRPr>
+          </a:p>
+          <a:p>
+            <a:pPr marL="457200" lvl="1" indent="0">
+              <a:buNone/>
+            </a:pPr>
+            <a:endParaRPr lang="en-US" altLang="ko-KR" dirty="0">
+              <a:latin typeface="KoPubWorld돋움체 Light" panose="00000300000000000000" pitchFamily="2" charset="-127"/>
+              <a:ea typeface="KoPubWorld돋움체 Light" panose="00000300000000000000" pitchFamily="2" charset="-127"/>
+              <a:cs typeface="KoPubWorld돋움체 Light" panose="00000300000000000000" pitchFamily="2" charset="-127"/>
+            </a:endParaRPr>
+          </a:p>
+          <a:p>
+            <a:pPr lvl="1">
+              <a:buFontTx/>
+              <a:buChar char="-"/>
+            </a:pPr>
+            <a:r>
+              <a:rPr lang="en-US" altLang="ko-KR" dirty="0">
+                <a:latin typeface="KoPubWorld돋움체 Light" panose="00000300000000000000" pitchFamily="2" charset="-127"/>
+                <a:ea typeface="KoPubWorld돋움체 Light" panose="00000300000000000000" pitchFamily="2" charset="-127"/>
+                <a:cs typeface="KoPubWorld돋움체 Light" panose="00000300000000000000" pitchFamily="2" charset="-127"/>
+              </a:rPr>
+              <a:t>GPT</a:t>
+            </a:r>
+            <a:r>
+              <a:rPr lang="ko-KR" altLang="en-US" dirty="0">
+                <a:latin typeface="KoPubWorld돋움체 Light" panose="00000300000000000000" pitchFamily="2" charset="-127"/>
+                <a:ea typeface="KoPubWorld돋움체 Light" panose="00000300000000000000" pitchFamily="2" charset="-127"/>
+                <a:cs typeface="KoPubWorld돋움체 Light" panose="00000300000000000000" pitchFamily="2" charset="-127"/>
+              </a:rPr>
+              <a:t>를 사용한 학습자들의 만족도를 보여줌</a:t>
+            </a:r>
+            <a:endParaRPr lang="en-US" altLang="ko-KR" dirty="0">
+              <a:latin typeface="KoPubWorld돋움체 Light" panose="00000300000000000000" pitchFamily="2" charset="-127"/>
+              <a:ea typeface="KoPubWorld돋움체 Light" panose="00000300000000000000" pitchFamily="2" charset="-127"/>
+              <a:cs typeface="KoPubWorld돋움체 Light" panose="00000300000000000000" pitchFamily="2" charset="-127"/>
+            </a:endParaRPr>
+          </a:p>
+          <a:p>
+            <a:endParaRPr lang="en-US" altLang="ko-KR" dirty="0">
+              <a:latin typeface="KoPubWorld돋움체 Light" panose="00000300000000000000" pitchFamily="2" charset="-127"/>
+              <a:ea typeface="KoPubWorld돋움체 Light" panose="00000300000000000000" pitchFamily="2" charset="-127"/>
+              <a:cs typeface="KoPubWorld돋움체 Light" panose="00000300000000000000" pitchFamily="2" charset="-127"/>
+            </a:endParaRPr>
+          </a:p>
+          <a:p>
+            <a:r>
+              <a:rPr lang="ko-KR" altLang="en-US" dirty="0">
+                <a:latin typeface="KoPubWorld돋움체 Medium" panose="00000600000000000000" pitchFamily="2" charset="-127"/>
+                <a:ea typeface="KoPubWorld돋움체 Medium" panose="00000600000000000000" pitchFamily="2" charset="-127"/>
+                <a:cs typeface="KoPubWorld돋움체 Medium" panose="00000600000000000000" pitchFamily="2" charset="-127"/>
+              </a:rPr>
+              <a:t>서종수</a:t>
+            </a:r>
+            <a:r>
+              <a:rPr lang="en-US" altLang="ko-KR" dirty="0">
+                <a:latin typeface="KoPubWorld돋움체 Medium" panose="00000600000000000000" pitchFamily="2" charset="-127"/>
+                <a:ea typeface="KoPubWorld돋움체 Medium" panose="00000600000000000000" pitchFamily="2" charset="-127"/>
+                <a:cs typeface="KoPubWorld돋움체 Medium" panose="00000600000000000000" pitchFamily="2" charset="-127"/>
+              </a:rPr>
+              <a:t>·</a:t>
+            </a:r>
+            <a:r>
+              <a:rPr lang="ko-KR" altLang="en-US" dirty="0" err="1">
+                <a:latin typeface="KoPubWorld돋움체 Medium" panose="00000600000000000000" pitchFamily="2" charset="-127"/>
+                <a:ea typeface="KoPubWorld돋움체 Medium" panose="00000600000000000000" pitchFamily="2" charset="-127"/>
+                <a:cs typeface="KoPubWorld돋움체 Medium" panose="00000600000000000000" pitchFamily="2" charset="-127"/>
+              </a:rPr>
+              <a:t>임세윤</a:t>
+            </a:r>
+            <a:r>
+              <a:rPr lang="en-US" altLang="ko-KR" dirty="0">
+                <a:latin typeface="KoPubWorld돋움체 Medium" panose="00000600000000000000" pitchFamily="2" charset="-127"/>
+                <a:ea typeface="KoPubWorld돋움체 Medium" panose="00000600000000000000" pitchFamily="2" charset="-127"/>
+                <a:cs typeface="KoPubWorld돋움체 Medium" panose="00000600000000000000" pitchFamily="2" charset="-127"/>
+              </a:rPr>
+              <a:t>, &lt;Chat GPT </a:t>
+            </a:r>
+            <a:r>
+              <a:rPr lang="ko-KR" altLang="en-US" dirty="0">
+                <a:latin typeface="KoPubWorld돋움체 Medium" panose="00000600000000000000" pitchFamily="2" charset="-127"/>
+                <a:ea typeface="KoPubWorld돋움체 Medium" panose="00000600000000000000" pitchFamily="2" charset="-127"/>
+                <a:cs typeface="KoPubWorld돋움체 Medium" panose="00000600000000000000" pitchFamily="2" charset="-127"/>
+              </a:rPr>
+              <a:t>사용이 대학생의 비판적 사고능력에 미치는 영향</a:t>
+            </a:r>
+            <a:r>
+              <a:rPr lang="en-US" altLang="ko-KR" dirty="0">
+                <a:latin typeface="KoPubWorld돋움체 Medium" panose="00000600000000000000" pitchFamily="2" charset="-127"/>
+                <a:ea typeface="KoPubWorld돋움체 Medium" panose="00000600000000000000" pitchFamily="2" charset="-127"/>
+                <a:cs typeface="KoPubWorld돋움체 Medium" panose="00000600000000000000" pitchFamily="2" charset="-127"/>
+              </a:rPr>
+              <a:t>&gt;,  </a:t>
+            </a:r>
+            <a:r>
+              <a:rPr lang="ko-KR" altLang="ko-KR" dirty="0">
+                <a:latin typeface="KoPubWorld돋움체 Medium" panose="00000600000000000000" pitchFamily="2" charset="-127"/>
+                <a:ea typeface="KoPubWorld돋움체 Medium" panose="00000600000000000000" pitchFamily="2" charset="-127"/>
+                <a:cs typeface="KoPubWorld돋움체 Medium" panose="00000600000000000000" pitchFamily="2" charset="-127"/>
+              </a:rPr>
+              <a:t>《</a:t>
+            </a:r>
+            <a:r>
+              <a:rPr lang="ko-KR" altLang="en-US" dirty="0" err="1">
+                <a:latin typeface="KoPubWorld돋움체 Medium" panose="00000600000000000000" pitchFamily="2" charset="-127"/>
+                <a:ea typeface="KoPubWorld돋움체 Medium" panose="00000600000000000000" pitchFamily="2" charset="-127"/>
+                <a:cs typeface="KoPubWorld돋움체 Medium" panose="00000600000000000000" pitchFamily="2" charset="-127"/>
+              </a:rPr>
+              <a:t>가정과삶의질연구</a:t>
+            </a:r>
+            <a:r>
+              <a:rPr lang="ko-KR" altLang="ko-KR" dirty="0">
+                <a:latin typeface="KoPubWorld돋움체 Medium" panose="00000600000000000000" pitchFamily="2" charset="-127"/>
+                <a:ea typeface="KoPubWorld돋움체 Medium" panose="00000600000000000000" pitchFamily="2" charset="-127"/>
+                <a:cs typeface="KoPubWorld돋움체 Medium" panose="00000600000000000000" pitchFamily="2" charset="-127"/>
+              </a:rPr>
+              <a:t>》</a:t>
+            </a:r>
+            <a:r>
+              <a:rPr lang="en-US" altLang="ko-KR" dirty="0">
+                <a:latin typeface="KoPubWorld돋움체 Medium" panose="00000600000000000000" pitchFamily="2" charset="-127"/>
+                <a:ea typeface="KoPubWorld돋움체 Medium" panose="00000600000000000000" pitchFamily="2" charset="-127"/>
+                <a:cs typeface="KoPubWorld돋움체 Medium" panose="00000600000000000000" pitchFamily="2" charset="-127"/>
+              </a:rPr>
+              <a:t> </a:t>
+            </a:r>
+            <a:r>
+              <a:rPr lang="ko-KR" altLang="en-US" dirty="0">
+                <a:latin typeface="KoPubWorld돋움체 Medium" panose="00000600000000000000" pitchFamily="2" charset="-127"/>
+                <a:ea typeface="KoPubWorld돋움체 Medium" panose="00000600000000000000" pitchFamily="2" charset="-127"/>
+                <a:cs typeface="KoPubWorld돋움체 Medium" panose="00000600000000000000" pitchFamily="2" charset="-127"/>
+              </a:rPr>
+              <a:t>통</a:t>
+            </a:r>
+            <a:r>
+              <a:rPr lang="ko-KR" altLang="ko-KR" dirty="0">
+                <a:latin typeface="KoPubWorld돋움체 Medium" panose="00000600000000000000" pitchFamily="2" charset="-127"/>
+                <a:ea typeface="KoPubWorld돋움체 Medium" panose="00000600000000000000" pitchFamily="2" charset="-127"/>
+                <a:cs typeface="KoPubWorld돋움체 Medium" panose="00000600000000000000" pitchFamily="2" charset="-127"/>
+              </a:rPr>
+              <a:t>권 제</a:t>
+            </a:r>
+            <a:r>
+              <a:rPr lang="en-US" altLang="ko-KR" dirty="0">
+                <a:latin typeface="KoPubWorld돋움체 Medium" panose="00000600000000000000" pitchFamily="2" charset="-127"/>
+                <a:ea typeface="KoPubWorld돋움체 Medium" panose="00000600000000000000" pitchFamily="2" charset="-127"/>
+                <a:cs typeface="KoPubWorld돋움체 Medium" panose="00000600000000000000" pitchFamily="2" charset="-127"/>
+              </a:rPr>
+              <a:t>179</a:t>
+            </a:r>
+            <a:r>
+              <a:rPr lang="ko-KR" altLang="ko-KR" dirty="0">
+                <a:latin typeface="KoPubWorld돋움체 Medium" panose="00000600000000000000" pitchFamily="2" charset="-127"/>
+                <a:ea typeface="KoPubWorld돋움체 Medium" panose="00000600000000000000" pitchFamily="2" charset="-127"/>
+                <a:cs typeface="KoPubWorld돋움체 Medium" panose="00000600000000000000" pitchFamily="2" charset="-127"/>
+              </a:rPr>
+              <a:t>호</a:t>
+            </a:r>
+            <a:r>
+              <a:rPr lang="en-US" altLang="ko-KR" dirty="0">
+                <a:latin typeface="KoPubWorld돋움체 Medium" panose="00000600000000000000" pitchFamily="2" charset="-127"/>
+                <a:ea typeface="KoPubWorld돋움체 Medium" panose="00000600000000000000" pitchFamily="2" charset="-127"/>
+                <a:cs typeface="KoPubWorld돋움체 Medium" panose="00000600000000000000" pitchFamily="2" charset="-127"/>
+              </a:rPr>
+              <a:t>, 2023, 109-120</a:t>
+            </a:r>
+            <a:r>
+              <a:rPr lang="ko-KR" altLang="ko-KR" dirty="0">
+                <a:latin typeface="KoPubWorld돋움체 Medium" panose="00000600000000000000" pitchFamily="2" charset="-127"/>
+                <a:ea typeface="KoPubWorld돋움체 Medium" panose="00000600000000000000" pitchFamily="2" charset="-127"/>
+                <a:cs typeface="KoPubWorld돋움체 Medium" panose="00000600000000000000" pitchFamily="2" charset="-127"/>
+              </a:rPr>
+              <a:t>면</a:t>
+            </a:r>
+            <a:endParaRPr lang="en-US" altLang="ko-KR" dirty="0">
+              <a:latin typeface="KoPubWorld돋움체 Medium" panose="00000600000000000000" pitchFamily="2" charset="-127"/>
+              <a:ea typeface="KoPubWorld돋움체 Medium" panose="00000600000000000000" pitchFamily="2" charset="-127"/>
+              <a:cs typeface="KoPubWorld돋움체 Medium" panose="00000600000000000000" pitchFamily="2" charset="-127"/>
+            </a:endParaRPr>
+          </a:p>
+          <a:p>
+            <a:pPr lvl="1"/>
+            <a:endParaRPr lang="en-US" altLang="ko-KR" dirty="0">
+              <a:latin typeface="KoPubWorld돋움체 Medium" panose="00000600000000000000" pitchFamily="2" charset="-127"/>
+              <a:ea typeface="KoPubWorld돋움체 Medium" panose="00000600000000000000" pitchFamily="2" charset="-127"/>
+              <a:cs typeface="KoPubWorld돋움체 Medium" panose="00000600000000000000" pitchFamily="2" charset="-127"/>
+            </a:endParaRPr>
+          </a:p>
+          <a:p>
+            <a:pPr lvl="1">
+              <a:buFontTx/>
+              <a:buChar char="-"/>
+            </a:pPr>
+            <a:r>
+              <a:rPr lang="en-US" altLang="ko-KR" dirty="0">
+                <a:latin typeface="KoPubWorld돋움체 Light" panose="00000300000000000000" pitchFamily="2" charset="-127"/>
+                <a:ea typeface="KoPubWorld돋움체 Light" panose="00000300000000000000" pitchFamily="2" charset="-127"/>
+                <a:cs typeface="KoPubWorld돋움체 Light" panose="00000300000000000000" pitchFamily="2" charset="-127"/>
+              </a:rPr>
+              <a:t>GPT </a:t>
+            </a:r>
+            <a:r>
+              <a:rPr lang="ko-KR" altLang="en-US" dirty="0">
+                <a:latin typeface="KoPubWorld돋움체 Light" panose="00000300000000000000" pitchFamily="2" charset="-127"/>
+                <a:ea typeface="KoPubWorld돋움체 Light" panose="00000300000000000000" pitchFamily="2" charset="-127"/>
+                <a:cs typeface="KoPubWorld돋움체 Light" panose="00000300000000000000" pitchFamily="2" charset="-127"/>
+              </a:rPr>
+              <a:t>활용도가 높을수록 비판적 사고능력이 높아짐</a:t>
+            </a:r>
+            <a:endParaRPr lang="en-US" altLang="ko-KR" dirty="0">
+              <a:latin typeface="KoPubWorld돋움체 Light" panose="00000300000000000000" pitchFamily="2" charset="-127"/>
+              <a:ea typeface="KoPubWorld돋움체 Light" panose="00000300000000000000" pitchFamily="2" charset="-127"/>
+              <a:cs typeface="KoPubWorld돋움체 Light" panose="00000300000000000000" pitchFamily="2" charset="-127"/>
+            </a:endParaRPr>
+          </a:p>
+          <a:p>
+            <a:pPr marL="457200" lvl="1" indent="0">
+              <a:buNone/>
+            </a:pPr>
+            <a:endParaRPr lang="en-US" altLang="ko-KR" dirty="0">
+              <a:latin typeface="KoPubWorld돋움체 Medium" panose="00000600000000000000" pitchFamily="2" charset="-127"/>
+              <a:ea typeface="KoPubWorld돋움체 Medium" panose="00000600000000000000" pitchFamily="2" charset="-127"/>
+              <a:cs typeface="KoPubWorld돋움체 Medium" panose="00000600000000000000" pitchFamily="2" charset="-127"/>
+            </a:endParaRPr>
+          </a:p>
+        </p:txBody>
+      </p:sp>
+    </p:spTree>
+    <p:extLst>
+      <p:ext uri="{BB962C8B-B14F-4D97-AF65-F5344CB8AC3E}">
+        <p14:creationId xmlns:p14="http://schemas.microsoft.com/office/powerpoint/2010/main" val="258919885"/>
+      </p:ext>
+    </p:extLst>
+  </p:cSld>
+  <p:clrMapOvr>
+    <a:masterClrMapping/>
+  </p:clrMapOvr>
+</p:sld>
+</file>
+
+<file path=ppt/slides/slide8.xml><?xml version="1.0" encoding="utf-8"?>
+<p:sld xmlns:a="http://schemas.openxmlformats.org/drawingml/2006/main" xmlns:r="http://schemas.openxmlformats.org/officeDocument/2006/relationships" xmlns:p="http://schemas.openxmlformats.org/presentationml/2006/main">
+  <p:cSld>
+    <p:spTree>
+      <p:nvGrpSpPr>
+        <p:cNvPr id="1" name="">
+          <a:extLst>
+            <a:ext uri="{FF2B5EF4-FFF2-40B4-BE49-F238E27FC236}">
+              <a16:creationId xmlns:a16="http://schemas.microsoft.com/office/drawing/2014/main" id="{E094EA60-79DA-6660-2E49-288699EAA7FE}"/>
+            </a:ext>
+          </a:extLst>
+        </p:cNvPr>
+        <p:cNvGrpSpPr/>
+        <p:nvPr/>
+      </p:nvGrpSpPr>
+      <p:grpSpPr>
+        <a:xfrm>
+          <a:off x="0" y="0"/>
+          <a:ext cx="0" cy="0"/>
+          <a:chOff x="0" y="0"/>
+          <a:chExt cx="0" cy="0"/>
+        </a:xfrm>
+      </p:grpSpPr>
+      <p:sp>
+        <p:nvSpPr>
+          <p:cNvPr id="2" name="제목 1">
+            <a:extLst>
+              <a:ext uri="{FF2B5EF4-FFF2-40B4-BE49-F238E27FC236}">
+                <a16:creationId xmlns:a16="http://schemas.microsoft.com/office/drawing/2014/main" id="{AF4B3AF5-14C0-C603-5A74-3AA12D5D439B}"/>
+              </a:ext>
+            </a:extLst>
+          </p:cNvPr>
+          <p:cNvSpPr>
+            <a:spLocks noGrp="1"/>
+          </p:cNvSpPr>
+          <p:nvPr>
+            <p:ph type="title"/>
+          </p:nvPr>
+        </p:nvSpPr>
+        <p:spPr/>
+        <p:txBody>
+          <a:bodyPr/>
+          <a:lstStyle/>
+          <a:p>
+            <a:r>
+              <a:rPr lang="ko-KR" altLang="en-US" dirty="0">
+                <a:latin typeface="KoPubWorld돋움체 Bold" panose="00000800000000000000" pitchFamily="2" charset="-127"/>
+                <a:ea typeface="KoPubWorld돋움체 Bold" panose="00000800000000000000" pitchFamily="2" charset="-127"/>
+                <a:cs typeface="KoPubWorld돋움체 Bold" panose="00000800000000000000" pitchFamily="2" charset="-127"/>
+              </a:rPr>
+              <a:t>기대 효과</a:t>
+            </a:r>
+          </a:p>
+        </p:txBody>
+      </p:sp>
+      <p:sp>
+        <p:nvSpPr>
+          <p:cNvPr id="3" name="내용 개체 틀 2">
+            <a:extLst>
+              <a:ext uri="{FF2B5EF4-FFF2-40B4-BE49-F238E27FC236}">
+                <a16:creationId xmlns:a16="http://schemas.microsoft.com/office/drawing/2014/main" id="{AE585F0A-AA86-2BD2-F3FE-83A222CB5710}"/>
+              </a:ext>
+            </a:extLst>
+          </p:cNvPr>
+          <p:cNvSpPr>
+            <a:spLocks noGrp="1"/>
+          </p:cNvSpPr>
+          <p:nvPr>
+            <p:ph idx="1"/>
+          </p:nvPr>
+        </p:nvSpPr>
+        <p:spPr/>
+        <p:txBody>
+          <a:bodyPr/>
+          <a:lstStyle/>
+          <a:p>
+            <a:r>
+              <a:rPr lang="en-US" altLang="ko-KR" dirty="0">
+                <a:latin typeface="KoPubWorld돋움체 Light" panose="00000300000000000000" pitchFamily="2" charset="-127"/>
+                <a:ea typeface="KoPubWorld돋움체 Light" panose="00000300000000000000" pitchFamily="2" charset="-127"/>
+                <a:cs typeface="KoPubWorld돋움체 Light" panose="00000300000000000000" pitchFamily="2" charset="-127"/>
+              </a:rPr>
+              <a:t>AI </a:t>
+            </a:r>
+            <a:r>
+              <a:rPr lang="ko-KR" altLang="en-US" dirty="0">
+                <a:latin typeface="KoPubWorld돋움체 Light" panose="00000300000000000000" pitchFamily="2" charset="-127"/>
+                <a:ea typeface="KoPubWorld돋움체 Light" panose="00000300000000000000" pitchFamily="2" charset="-127"/>
+                <a:cs typeface="KoPubWorld돋움체 Light" panose="00000300000000000000" pitchFamily="2" charset="-127"/>
+              </a:rPr>
+              <a:t>사용이 과제나 학습에 오히려 도움을 줄 수 있다는 것을 알릴 수 있음</a:t>
+            </a:r>
+            <a:endParaRPr lang="en-US" altLang="ko-KR" dirty="0">
+              <a:latin typeface="KoPubWorld돋움체 Light" panose="00000300000000000000" pitchFamily="2" charset="-127"/>
+              <a:ea typeface="KoPubWorld돋움체 Light" panose="00000300000000000000" pitchFamily="2" charset="-127"/>
+              <a:cs typeface="KoPubWorld돋움체 Light" panose="00000300000000000000" pitchFamily="2" charset="-127"/>
+            </a:endParaRPr>
+          </a:p>
+          <a:p>
+            <a:endParaRPr lang="en-US" altLang="ko-KR" dirty="0">
+              <a:latin typeface="KoPubWorld돋움체 Light" panose="00000300000000000000" pitchFamily="2" charset="-127"/>
+              <a:ea typeface="KoPubWorld돋움체 Light" panose="00000300000000000000" pitchFamily="2" charset="-127"/>
+              <a:cs typeface="KoPubWorld돋움체 Light" panose="00000300000000000000" pitchFamily="2" charset="-127"/>
+            </a:endParaRPr>
+          </a:p>
+          <a:p>
+            <a:r>
+              <a:rPr lang="ko-KR" altLang="en-US" dirty="0">
+                <a:latin typeface="KoPubWorld돋움체 Light" panose="00000300000000000000" pitchFamily="2" charset="-127"/>
+                <a:ea typeface="KoPubWorld돋움체 Light" panose="00000300000000000000" pitchFamily="2" charset="-127"/>
+                <a:cs typeface="KoPubWorld돋움체 Light" panose="00000300000000000000" pitchFamily="2" charset="-127"/>
+              </a:rPr>
+              <a:t>학생들에게 </a:t>
+            </a:r>
+            <a:r>
+              <a:rPr lang="en-US" altLang="ko-KR" dirty="0">
+                <a:latin typeface="KoPubWorld돋움체 Light" panose="00000300000000000000" pitchFamily="2" charset="-127"/>
+                <a:ea typeface="KoPubWorld돋움체 Light" panose="00000300000000000000" pitchFamily="2" charset="-127"/>
+                <a:cs typeface="KoPubWorld돋움체 Light" panose="00000300000000000000" pitchFamily="2" charset="-127"/>
+              </a:rPr>
+              <a:t>AI </a:t>
+            </a:r>
+            <a:r>
+              <a:rPr lang="ko-KR" altLang="en-US" dirty="0">
+                <a:latin typeface="KoPubWorld돋움체 Light" panose="00000300000000000000" pitchFamily="2" charset="-127"/>
+                <a:ea typeface="KoPubWorld돋움체 Light" panose="00000300000000000000" pitchFamily="2" charset="-127"/>
+                <a:cs typeface="KoPubWorld돋움체 Light" panose="00000300000000000000" pitchFamily="2" charset="-127"/>
+              </a:rPr>
+              <a:t>사용 시 주의사항</a:t>
+            </a:r>
+            <a:r>
+              <a:rPr lang="en-US" altLang="ko-KR" dirty="0">
+                <a:latin typeface="KoPubWorld돋움체 Light" panose="00000300000000000000" pitchFamily="2" charset="-127"/>
+                <a:ea typeface="KoPubWorld돋움체 Light" panose="00000300000000000000" pitchFamily="2" charset="-127"/>
+                <a:cs typeface="KoPubWorld돋움체 Light" panose="00000300000000000000" pitchFamily="2" charset="-127"/>
+              </a:rPr>
+              <a:t>, </a:t>
+            </a:r>
+            <a:r>
+              <a:rPr lang="ko-KR" altLang="en-US" dirty="0">
+                <a:latin typeface="KoPubWorld돋움체 Light" panose="00000300000000000000" pitchFamily="2" charset="-127"/>
+                <a:ea typeface="KoPubWorld돋움체 Light" panose="00000300000000000000" pitchFamily="2" charset="-127"/>
+                <a:cs typeface="KoPubWorld돋움체 Light" panose="00000300000000000000" pitchFamily="2" charset="-127"/>
+              </a:rPr>
+              <a:t>사용법 등에서 도움을 줄 수 있음</a:t>
+            </a:r>
+          </a:p>
+        </p:txBody>
+      </p:sp>
+    </p:spTree>
+    <p:extLst>
+      <p:ext uri="{BB962C8B-B14F-4D97-AF65-F5344CB8AC3E}">
+        <p14:creationId xmlns:p14="http://schemas.microsoft.com/office/powerpoint/2010/main" val="3507059047"/>
+      </p:ext>
+    </p:extLst>
+  </p:cSld>
+  <p:clrMapOvr>
+    <a:masterClrMapping/>
+  </p:clrMapOvr>
+</p:sld>
+</file>
+
+<file path=ppt/slides/slide9.xml><?xml version="1.0" encoding="utf-8"?>
+<p:sld xmlns:a="http://schemas.openxmlformats.org/drawingml/2006/main" xmlns:r="http://schemas.openxmlformats.org/officeDocument/2006/relationships" xmlns:p="http://schemas.openxmlformats.org/presentationml/2006/main">
+  <p:cSld>
+    <p:spTree>
+      <p:nvGrpSpPr>
+        <p:cNvPr id="1" name=""/>
+        <p:cNvGrpSpPr/>
+        <p:nvPr/>
+      </p:nvGrpSpPr>
+      <p:grpSpPr>
+        <a:xfrm>
+          <a:off x="0" y="0"/>
+          <a:ext cx="0" cy="0"/>
+          <a:chOff x="0" y="0"/>
+          <a:chExt cx="0" cy="0"/>
+        </a:xfrm>
+      </p:grpSpPr>
+      <p:sp>
+        <p:nvSpPr>
+          <p:cNvPr id="4" name="제목 1">
+            <a:extLst>
+              <a:ext uri="{FF2B5EF4-FFF2-40B4-BE49-F238E27FC236}">
+                <a16:creationId xmlns:a16="http://schemas.microsoft.com/office/drawing/2014/main" id="{12906351-55D7-B5D0-D789-DF316947CAB1}"/>
+              </a:ext>
+            </a:extLst>
+          </p:cNvPr>
+          <p:cNvSpPr>
+            <a:spLocks noGrp="1"/>
+          </p:cNvSpPr>
+          <p:nvPr>
+            <p:ph type="title"/>
+          </p:nvPr>
+        </p:nvSpPr>
+        <p:spPr>
+          <a:xfrm>
+            <a:off x="838200" y="2766218"/>
+            <a:ext cx="10515600" cy="1325563"/>
+          </a:xfrm>
+        </p:spPr>
+        <p:txBody>
+          <a:bodyPr/>
+          <a:lstStyle/>
+          <a:p>
+            <a:pPr algn="ctr"/>
+            <a:r>
+              <a:rPr lang="ko-KR" altLang="en-US" dirty="0">
+                <a:latin typeface="KoPubWorld돋움체 Bold" panose="00000800000000000000" pitchFamily="2" charset="-127"/>
+                <a:ea typeface="KoPubWorld돋움체 Bold" panose="00000800000000000000" pitchFamily="2" charset="-127"/>
+                <a:cs typeface="KoPubWorld돋움체 Bold" panose="00000800000000000000" pitchFamily="2" charset="-127"/>
+              </a:rPr>
+              <a:t>감사합니다</a:t>
+            </a:r>
+          </a:p>
+        </p:txBody>
+      </p:sp>
+    </p:spTree>
+    <p:extLst>
+      <p:ext uri="{BB962C8B-B14F-4D97-AF65-F5344CB8AC3E}">
+        <p14:creationId xmlns:p14="http://schemas.microsoft.com/office/powerpoint/2010/main" val="2424658803"/>
       </p:ext>
     </p:extLst>
   </p:cSld>
